--- a/slides/SparkML.pptx
+++ b/slides/SparkML.pptx
@@ -22,6 +22,8 @@
     <p:sldId id="270" r:id="rId16"/>
     <p:sldId id="271" r:id="rId17"/>
     <p:sldId id="272" r:id="rId18"/>
+    <p:sldId id="273" r:id="rId19"/>
+    <p:sldId id="274" r:id="rId20"/>
   </p:sldIdLst>
   <p:sldSz cx="12192000" cy="6858000"/>
   <p:notesSz cx="6858000" cy="9144000"/>
@@ -3161,7 +3163,7 @@
           <a:p>
             <a:fld id="{B79AC238-E980-9542-B239-6B8498671457}" type="datetimeFigureOut">
               <a:rPr lang="en-TR" smtClean="0"/>
-              <a:t>9.08.2021</a:t>
+              <a:t>14.09.2021</a:t>
             </a:fld>
             <a:endParaRPr lang="en-TR"/>
           </a:p>
@@ -3361,7 +3363,7 @@
           <a:p>
             <a:fld id="{B79AC238-E980-9542-B239-6B8498671457}" type="datetimeFigureOut">
               <a:rPr lang="en-TR" smtClean="0"/>
-              <a:t>9.08.2021</a:t>
+              <a:t>14.09.2021</a:t>
             </a:fld>
             <a:endParaRPr lang="en-TR"/>
           </a:p>
@@ -3571,7 +3573,7 @@
           <a:p>
             <a:fld id="{B79AC238-E980-9542-B239-6B8498671457}" type="datetimeFigureOut">
               <a:rPr lang="en-TR" smtClean="0"/>
-              <a:t>9.08.2021</a:t>
+              <a:t>14.09.2021</a:t>
             </a:fld>
             <a:endParaRPr lang="en-TR"/>
           </a:p>
@@ -3771,7 +3773,7 @@
           <a:p>
             <a:fld id="{B79AC238-E980-9542-B239-6B8498671457}" type="datetimeFigureOut">
               <a:rPr lang="en-TR" smtClean="0"/>
-              <a:t>9.08.2021</a:t>
+              <a:t>14.09.2021</a:t>
             </a:fld>
             <a:endParaRPr lang="en-TR"/>
           </a:p>
@@ -4047,7 +4049,7 @@
           <a:p>
             <a:fld id="{B79AC238-E980-9542-B239-6B8498671457}" type="datetimeFigureOut">
               <a:rPr lang="en-TR" smtClean="0"/>
-              <a:t>9.08.2021</a:t>
+              <a:t>14.09.2021</a:t>
             </a:fld>
             <a:endParaRPr lang="en-TR"/>
           </a:p>
@@ -4315,7 +4317,7 @@
           <a:p>
             <a:fld id="{B79AC238-E980-9542-B239-6B8498671457}" type="datetimeFigureOut">
               <a:rPr lang="en-TR" smtClean="0"/>
-              <a:t>9.08.2021</a:t>
+              <a:t>14.09.2021</a:t>
             </a:fld>
             <a:endParaRPr lang="en-TR"/>
           </a:p>
@@ -4730,7 +4732,7 @@
           <a:p>
             <a:fld id="{B79AC238-E980-9542-B239-6B8498671457}" type="datetimeFigureOut">
               <a:rPr lang="en-TR" smtClean="0"/>
-              <a:t>9.08.2021</a:t>
+              <a:t>14.09.2021</a:t>
             </a:fld>
             <a:endParaRPr lang="en-TR"/>
           </a:p>
@@ -4872,7 +4874,7 @@
           <a:p>
             <a:fld id="{B79AC238-E980-9542-B239-6B8498671457}" type="datetimeFigureOut">
               <a:rPr lang="en-TR" smtClean="0"/>
-              <a:t>9.08.2021</a:t>
+              <a:t>14.09.2021</a:t>
             </a:fld>
             <a:endParaRPr lang="en-TR"/>
           </a:p>
@@ -4985,7 +4987,7 @@
           <a:p>
             <a:fld id="{B79AC238-E980-9542-B239-6B8498671457}" type="datetimeFigureOut">
               <a:rPr lang="en-TR" smtClean="0"/>
-              <a:t>9.08.2021</a:t>
+              <a:t>14.09.2021</a:t>
             </a:fld>
             <a:endParaRPr lang="en-TR"/>
           </a:p>
@@ -5298,7 +5300,7 @@
           <a:p>
             <a:fld id="{B79AC238-E980-9542-B239-6B8498671457}" type="datetimeFigureOut">
               <a:rPr lang="en-TR" smtClean="0"/>
-              <a:t>9.08.2021</a:t>
+              <a:t>14.09.2021</a:t>
             </a:fld>
             <a:endParaRPr lang="en-TR"/>
           </a:p>
@@ -5587,7 +5589,7 @@
           <a:p>
             <a:fld id="{B79AC238-E980-9542-B239-6B8498671457}" type="datetimeFigureOut">
               <a:rPr lang="en-TR" smtClean="0"/>
-              <a:t>9.08.2021</a:t>
+              <a:t>14.09.2021</a:t>
             </a:fld>
             <a:endParaRPr lang="en-TR"/>
           </a:p>
@@ -5830,7 +5832,7 @@
           <a:p>
             <a:fld id="{B79AC238-E980-9542-B239-6B8498671457}" type="datetimeFigureOut">
               <a:rPr lang="en-TR" smtClean="0"/>
-              <a:t>9.08.2021</a:t>
+              <a:t>14.09.2021</a:t>
             </a:fld>
             <a:endParaRPr lang="en-TR"/>
           </a:p>
@@ -6353,8 +6355,8 @@
         </p:nvSpPr>
         <p:spPr>
           <a:xfrm>
-            <a:off x="1685581" y="1432193"/>
-            <a:ext cx="723275" cy="369332"/>
+            <a:off x="1197056" y="1432193"/>
+            <a:ext cx="1524200" cy="369332"/>
           </a:xfrm>
           <a:prstGeom prst="rect">
             <a:avLst/>
@@ -6373,7 +6375,7 @@
             </a:r>
             <a:r>
               <a:rPr lang="en-TR" dirty="0"/>
-              <a:t>(0,1)</a:t>
+              <a:t>(istanbul,3,1)</a:t>
             </a:r>
           </a:p>
         </p:txBody>
@@ -8961,8 +8963,8 @@
             <a:chExt cx="5391000" cy="5129280"/>
           </a:xfrm>
         </p:grpSpPr>
-        <mc:AlternateContent xmlns:mc="http://schemas.openxmlformats.org/markup-compatibility/2006">
-          <mc:Choice xmlns:p14="http://schemas.microsoft.com/office/powerpoint/2010/main" Requires="p14">
+        <mc:AlternateContent xmlns:mc="http://schemas.openxmlformats.org/markup-compatibility/2006" xmlns:p14="http://schemas.microsoft.com/office/powerpoint/2010/main">
+          <mc:Choice Requires="p14">
             <p:contentPart p14:bwMode="auto" r:id="rId2">
               <p14:nvContentPartPr>
                 <p14:cNvPr id="20" name="Ink 19">
@@ -8981,7 +8983,7 @@
               </p14:xfrm>
             </p:contentPart>
           </mc:Choice>
-          <mc:Fallback>
+          <mc:Fallback xmlns="">
             <p:pic>
               <p:nvPicPr>
                 <p:cNvPr id="20" name="Ink 19">
@@ -9012,8 +9014,8 @@
             </p:pic>
           </mc:Fallback>
         </mc:AlternateContent>
-        <mc:AlternateContent xmlns:mc="http://schemas.openxmlformats.org/markup-compatibility/2006">
-          <mc:Choice xmlns:p14="http://schemas.microsoft.com/office/powerpoint/2010/main" Requires="p14">
+        <mc:AlternateContent xmlns:mc="http://schemas.openxmlformats.org/markup-compatibility/2006" xmlns:p14="http://schemas.microsoft.com/office/powerpoint/2010/main">
+          <mc:Choice Requires="p14">
             <p:contentPart p14:bwMode="auto" r:id="rId4">
               <p14:nvContentPartPr>
                 <p14:cNvPr id="21" name="Ink 20">
@@ -9032,7 +9034,7 @@
               </p14:xfrm>
             </p:contentPart>
           </mc:Choice>
-          <mc:Fallback>
+          <mc:Fallback xmlns="">
             <p:pic>
               <p:nvPicPr>
                 <p:cNvPr id="21" name="Ink 20">
@@ -9063,8 +9065,8 @@
             </p:pic>
           </mc:Fallback>
         </mc:AlternateContent>
-        <mc:AlternateContent xmlns:mc="http://schemas.openxmlformats.org/markup-compatibility/2006">
-          <mc:Choice xmlns:p14="http://schemas.microsoft.com/office/powerpoint/2010/main" Requires="p14">
+        <mc:AlternateContent xmlns:mc="http://schemas.openxmlformats.org/markup-compatibility/2006" xmlns:p14="http://schemas.microsoft.com/office/powerpoint/2010/main">
+          <mc:Choice Requires="p14">
             <p:contentPart p14:bwMode="auto" r:id="rId6">
               <p14:nvContentPartPr>
                 <p14:cNvPr id="23" name="Ink 22">
@@ -9083,7 +9085,7 @@
               </p14:xfrm>
             </p:contentPart>
           </mc:Choice>
-          <mc:Fallback>
+          <mc:Fallback xmlns="">
             <p:pic>
               <p:nvPicPr>
                 <p:cNvPr id="23" name="Ink 22">
@@ -9114,8 +9116,8 @@
             </p:pic>
           </mc:Fallback>
         </mc:AlternateContent>
-        <mc:AlternateContent xmlns:mc="http://schemas.openxmlformats.org/markup-compatibility/2006">
-          <mc:Choice xmlns:p14="http://schemas.microsoft.com/office/powerpoint/2010/main" Requires="p14">
+        <mc:AlternateContent xmlns:mc="http://schemas.openxmlformats.org/markup-compatibility/2006" xmlns:p14="http://schemas.microsoft.com/office/powerpoint/2010/main">
+          <mc:Choice Requires="p14">
             <p:contentPart p14:bwMode="auto" r:id="rId8">
               <p14:nvContentPartPr>
                 <p14:cNvPr id="24" name="Ink 23">
@@ -9134,7 +9136,7 @@
               </p14:xfrm>
             </p:contentPart>
           </mc:Choice>
-          <mc:Fallback>
+          <mc:Fallback xmlns="">
             <p:pic>
               <p:nvPicPr>
                 <p:cNvPr id="24" name="Ink 23">
@@ -9165,8 +9167,8 @@
             </p:pic>
           </mc:Fallback>
         </mc:AlternateContent>
-        <mc:AlternateContent xmlns:mc="http://schemas.openxmlformats.org/markup-compatibility/2006">
-          <mc:Choice xmlns:p14="http://schemas.microsoft.com/office/powerpoint/2010/main" Requires="p14">
+        <mc:AlternateContent xmlns:mc="http://schemas.openxmlformats.org/markup-compatibility/2006" xmlns:p14="http://schemas.microsoft.com/office/powerpoint/2010/main">
+          <mc:Choice Requires="p14">
             <p:contentPart p14:bwMode="auto" r:id="rId10">
               <p14:nvContentPartPr>
                 <p14:cNvPr id="26" name="Ink 25">
@@ -9185,7 +9187,7 @@
               </p14:xfrm>
             </p:contentPart>
           </mc:Choice>
-          <mc:Fallback>
+          <mc:Fallback xmlns="">
             <p:pic>
               <p:nvPicPr>
                 <p:cNvPr id="26" name="Ink 25">
@@ -9216,8 +9218,8 @@
             </p:pic>
           </mc:Fallback>
         </mc:AlternateContent>
-        <mc:AlternateContent xmlns:mc="http://schemas.openxmlformats.org/markup-compatibility/2006">
-          <mc:Choice xmlns:p14="http://schemas.microsoft.com/office/powerpoint/2010/main" Requires="p14">
+        <mc:AlternateContent xmlns:mc="http://schemas.openxmlformats.org/markup-compatibility/2006" xmlns:p14="http://schemas.microsoft.com/office/powerpoint/2010/main">
+          <mc:Choice Requires="p14">
             <p:contentPart p14:bwMode="auto" r:id="rId12">
               <p14:nvContentPartPr>
                 <p14:cNvPr id="28" name="Ink 27">
@@ -9236,7 +9238,7 @@
               </p14:xfrm>
             </p:contentPart>
           </mc:Choice>
-          <mc:Fallback>
+          <mc:Fallback xmlns="">
             <p:pic>
               <p:nvPicPr>
                 <p:cNvPr id="28" name="Ink 27">
@@ -10034,8 +10036,8 @@
             <a:chExt cx="8110440" cy="2693160"/>
           </a:xfrm>
         </p:grpSpPr>
-        <mc:AlternateContent xmlns:mc="http://schemas.openxmlformats.org/markup-compatibility/2006">
-          <mc:Choice xmlns:p14="http://schemas.microsoft.com/office/powerpoint/2010/main" Requires="p14">
+        <mc:AlternateContent xmlns:mc="http://schemas.openxmlformats.org/markup-compatibility/2006" xmlns:p14="http://schemas.microsoft.com/office/powerpoint/2010/main">
+          <mc:Choice Requires="p14">
             <p:contentPart p14:bwMode="auto" r:id="rId2">
               <p14:nvContentPartPr>
                 <p14:cNvPr id="19" name="Ink 18">
@@ -10054,7 +10056,7 @@
               </p14:xfrm>
             </p:contentPart>
           </mc:Choice>
-          <mc:Fallback>
+          <mc:Fallback xmlns="">
             <p:pic>
               <p:nvPicPr>
                 <p:cNvPr id="19" name="Ink 18">
@@ -10085,8 +10087,8 @@
             </p:pic>
           </mc:Fallback>
         </mc:AlternateContent>
-        <mc:AlternateContent xmlns:mc="http://schemas.openxmlformats.org/markup-compatibility/2006">
-          <mc:Choice xmlns:p14="http://schemas.microsoft.com/office/powerpoint/2010/main" Requires="p14">
+        <mc:AlternateContent xmlns:mc="http://schemas.openxmlformats.org/markup-compatibility/2006" xmlns:p14="http://schemas.microsoft.com/office/powerpoint/2010/main">
+          <mc:Choice Requires="p14">
             <p:contentPart p14:bwMode="auto" r:id="rId4">
               <p14:nvContentPartPr>
                 <p14:cNvPr id="20" name="Ink 19">
@@ -10105,7 +10107,7 @@
               </p14:xfrm>
             </p:contentPart>
           </mc:Choice>
-          <mc:Fallback>
+          <mc:Fallback xmlns="">
             <p:pic>
               <p:nvPicPr>
                 <p:cNvPr id="20" name="Ink 19">
@@ -10136,8 +10138,8 @@
             </p:pic>
           </mc:Fallback>
         </mc:AlternateContent>
-        <mc:AlternateContent xmlns:mc="http://schemas.openxmlformats.org/markup-compatibility/2006">
-          <mc:Choice xmlns:p14="http://schemas.microsoft.com/office/powerpoint/2010/main" Requires="p14">
+        <mc:AlternateContent xmlns:mc="http://schemas.openxmlformats.org/markup-compatibility/2006" xmlns:p14="http://schemas.microsoft.com/office/powerpoint/2010/main">
+          <mc:Choice Requires="p14">
             <p:contentPart p14:bwMode="auto" r:id="rId6">
               <p14:nvContentPartPr>
                 <p14:cNvPr id="22" name="Ink 21">
@@ -10156,7 +10158,7 @@
               </p14:xfrm>
             </p:contentPart>
           </mc:Choice>
-          <mc:Fallback>
+          <mc:Fallback xmlns="">
             <p:pic>
               <p:nvPicPr>
                 <p:cNvPr id="22" name="Ink 21">
@@ -10187,8 +10189,8 @@
             </p:pic>
           </mc:Fallback>
         </mc:AlternateContent>
-        <mc:AlternateContent xmlns:mc="http://schemas.openxmlformats.org/markup-compatibility/2006">
-          <mc:Choice xmlns:p14="http://schemas.microsoft.com/office/powerpoint/2010/main" Requires="p14">
+        <mc:AlternateContent xmlns:mc="http://schemas.openxmlformats.org/markup-compatibility/2006" xmlns:p14="http://schemas.microsoft.com/office/powerpoint/2010/main">
+          <mc:Choice Requires="p14">
             <p:contentPart p14:bwMode="auto" r:id="rId8">
               <p14:nvContentPartPr>
                 <p14:cNvPr id="24" name="Ink 23">
@@ -10207,7 +10209,7 @@
               </p14:xfrm>
             </p:contentPart>
           </mc:Choice>
-          <mc:Fallback>
+          <mc:Fallback xmlns="">
             <p:pic>
               <p:nvPicPr>
                 <p:cNvPr id="24" name="Ink 23">
@@ -10238,8 +10240,8 @@
             </p:pic>
           </mc:Fallback>
         </mc:AlternateContent>
-        <mc:AlternateContent xmlns:mc="http://schemas.openxmlformats.org/markup-compatibility/2006">
-          <mc:Choice xmlns:p14="http://schemas.microsoft.com/office/powerpoint/2010/main" Requires="p14">
+        <mc:AlternateContent xmlns:mc="http://schemas.openxmlformats.org/markup-compatibility/2006" xmlns:p14="http://schemas.microsoft.com/office/powerpoint/2010/main">
+          <mc:Choice Requires="p14">
             <p:contentPart p14:bwMode="auto" r:id="rId10">
               <p14:nvContentPartPr>
                 <p14:cNvPr id="26" name="Ink 25">
@@ -10258,7 +10260,7 @@
               </p14:xfrm>
             </p:contentPart>
           </mc:Choice>
-          <mc:Fallback>
+          <mc:Fallback xmlns="">
             <p:pic>
               <p:nvPicPr>
                 <p:cNvPr id="26" name="Ink 25">
@@ -10289,8 +10291,8 @@
             </p:pic>
           </mc:Fallback>
         </mc:AlternateContent>
-        <mc:AlternateContent xmlns:mc="http://schemas.openxmlformats.org/markup-compatibility/2006">
-          <mc:Choice xmlns:p14="http://schemas.microsoft.com/office/powerpoint/2010/main" Requires="p14">
+        <mc:AlternateContent xmlns:mc="http://schemas.openxmlformats.org/markup-compatibility/2006" xmlns:p14="http://schemas.microsoft.com/office/powerpoint/2010/main">
+          <mc:Choice Requires="p14">
             <p:contentPart p14:bwMode="auto" r:id="rId12">
               <p14:nvContentPartPr>
                 <p14:cNvPr id="28" name="Ink 27">
@@ -10309,7 +10311,7 @@
               </p14:xfrm>
             </p:contentPart>
           </mc:Choice>
-          <mc:Fallback>
+          <mc:Fallback xmlns="">
             <p:pic>
               <p:nvPicPr>
                 <p:cNvPr id="28" name="Ink 27">
@@ -10361,8 +10363,8 @@
             <a:chExt cx="6006960" cy="884880"/>
           </a:xfrm>
         </p:grpSpPr>
-        <mc:AlternateContent xmlns:mc="http://schemas.openxmlformats.org/markup-compatibility/2006">
-          <mc:Choice xmlns:p14="http://schemas.microsoft.com/office/powerpoint/2010/main" Requires="p14">
+        <mc:AlternateContent xmlns:mc="http://schemas.openxmlformats.org/markup-compatibility/2006" xmlns:p14="http://schemas.microsoft.com/office/powerpoint/2010/main">
+          <mc:Choice Requires="p14">
             <p:contentPart p14:bwMode="auto" r:id="rId14">
               <p14:nvContentPartPr>
                 <p14:cNvPr id="30" name="Ink 29">
@@ -10381,7 +10383,7 @@
               </p14:xfrm>
             </p:contentPart>
           </mc:Choice>
-          <mc:Fallback>
+          <mc:Fallback xmlns="">
             <p:pic>
               <p:nvPicPr>
                 <p:cNvPr id="30" name="Ink 29">
@@ -10412,8 +10414,8 @@
             </p:pic>
           </mc:Fallback>
         </mc:AlternateContent>
-        <mc:AlternateContent xmlns:mc="http://schemas.openxmlformats.org/markup-compatibility/2006">
-          <mc:Choice xmlns:p14="http://schemas.microsoft.com/office/powerpoint/2010/main" Requires="p14">
+        <mc:AlternateContent xmlns:mc="http://schemas.openxmlformats.org/markup-compatibility/2006" xmlns:p14="http://schemas.microsoft.com/office/powerpoint/2010/main">
+          <mc:Choice Requires="p14">
             <p:contentPart p14:bwMode="auto" r:id="rId16">
               <p14:nvContentPartPr>
                 <p14:cNvPr id="31" name="Ink 30">
@@ -10432,7 +10434,7 @@
               </p14:xfrm>
             </p:contentPart>
           </mc:Choice>
-          <mc:Fallback>
+          <mc:Fallback xmlns="">
             <p:pic>
               <p:nvPicPr>
                 <p:cNvPr id="31" name="Ink 30">
@@ -10463,8 +10465,8 @@
             </p:pic>
           </mc:Fallback>
         </mc:AlternateContent>
-        <mc:AlternateContent xmlns:mc="http://schemas.openxmlformats.org/markup-compatibility/2006">
-          <mc:Choice xmlns:p14="http://schemas.microsoft.com/office/powerpoint/2010/main" Requires="p14">
+        <mc:AlternateContent xmlns:mc="http://schemas.openxmlformats.org/markup-compatibility/2006" xmlns:p14="http://schemas.microsoft.com/office/powerpoint/2010/main">
+          <mc:Choice Requires="p14">
             <p:contentPart p14:bwMode="auto" r:id="rId18">
               <p14:nvContentPartPr>
                 <p14:cNvPr id="33" name="Ink 32">
@@ -10483,7 +10485,7 @@
               </p14:xfrm>
             </p:contentPart>
           </mc:Choice>
-          <mc:Fallback>
+          <mc:Fallback xmlns="">
             <p:pic>
               <p:nvPicPr>
                 <p:cNvPr id="33" name="Ink 32">
@@ -10515,8 +10517,8 @@
           </mc:Fallback>
         </mc:AlternateContent>
       </p:grpSp>
-      <mc:AlternateContent xmlns:mc="http://schemas.openxmlformats.org/markup-compatibility/2006">
-        <mc:Choice xmlns:p14="http://schemas.microsoft.com/office/powerpoint/2010/main" Requires="p14">
+      <mc:AlternateContent xmlns:mc="http://schemas.openxmlformats.org/markup-compatibility/2006" xmlns:p14="http://schemas.microsoft.com/office/powerpoint/2010/main">
+        <mc:Choice Requires="p14">
           <p:contentPart p14:bwMode="auto" r:id="rId20">
             <p14:nvContentPartPr>
               <p14:cNvPr id="35" name="Ink 34">
@@ -10535,7 +10537,7 @@
             </p14:xfrm>
           </p:contentPart>
         </mc:Choice>
-        <mc:Fallback>
+        <mc:Fallback xmlns="">
           <p:pic>
             <p:nvPicPr>
               <p:cNvPr id="35" name="Ink 34">
@@ -10566,8 +10568,8 @@
           </p:pic>
         </mc:Fallback>
       </mc:AlternateContent>
-      <mc:AlternateContent xmlns:mc="http://schemas.openxmlformats.org/markup-compatibility/2006">
-        <mc:Choice xmlns:p14="http://schemas.microsoft.com/office/powerpoint/2010/main" Requires="p14">
+      <mc:AlternateContent xmlns:mc="http://schemas.openxmlformats.org/markup-compatibility/2006" xmlns:p14="http://schemas.microsoft.com/office/powerpoint/2010/main">
+        <mc:Choice Requires="p14">
           <p:contentPart p14:bwMode="auto" r:id="rId22">
             <p14:nvContentPartPr>
               <p14:cNvPr id="36" name="Ink 35">
@@ -10586,7 +10588,7 @@
             </p14:xfrm>
           </p:contentPart>
         </mc:Choice>
-        <mc:Fallback>
+        <mc:Fallback xmlns="">
           <p:pic>
             <p:nvPicPr>
               <p:cNvPr id="36" name="Ink 35">
@@ -10920,8 +10922,8 @@
           </a:extLst>
         </p:spPr>
       </p:pic>
-      <mc:AlternateContent xmlns:mc="http://schemas.openxmlformats.org/markup-compatibility/2006">
-        <mc:Choice xmlns:p14="http://schemas.microsoft.com/office/powerpoint/2010/main" Requires="p14">
+      <mc:AlternateContent xmlns:mc="http://schemas.openxmlformats.org/markup-compatibility/2006" xmlns:p14="http://schemas.microsoft.com/office/powerpoint/2010/main">
+        <mc:Choice Requires="p14">
           <p:contentPart p14:bwMode="auto" r:id="rId3">
             <p14:nvContentPartPr>
               <p14:cNvPr id="4" name="Ink 3">
@@ -10940,7 +10942,7 @@
             </p14:xfrm>
           </p:contentPart>
         </mc:Choice>
-        <mc:Fallback>
+        <mc:Fallback xmlns="">
           <p:pic>
             <p:nvPicPr>
               <p:cNvPr id="4" name="Ink 3">
@@ -10991,8 +10993,8 @@
             <a:chExt cx="11780280" cy="6844316"/>
           </a:xfrm>
         </p:grpSpPr>
-        <mc:AlternateContent xmlns:mc="http://schemas.openxmlformats.org/markup-compatibility/2006">
-          <mc:Choice xmlns:p14="http://schemas.microsoft.com/office/powerpoint/2010/main" Requires="p14">
+        <mc:AlternateContent xmlns:mc="http://schemas.openxmlformats.org/markup-compatibility/2006" xmlns:p14="http://schemas.microsoft.com/office/powerpoint/2010/main">
+          <mc:Choice Requires="p14">
             <p:contentPart p14:bwMode="auto" r:id="rId5">
               <p14:nvContentPartPr>
                 <p14:cNvPr id="7" name="Ink 6">
@@ -11011,7 +11013,7 @@
               </p14:xfrm>
             </p:contentPart>
           </mc:Choice>
-          <mc:Fallback>
+          <mc:Fallback xmlns="">
             <p:pic>
               <p:nvPicPr>
                 <p:cNvPr id="7" name="Ink 6">
@@ -11042,8 +11044,8 @@
             </p:pic>
           </mc:Fallback>
         </mc:AlternateContent>
-        <mc:AlternateContent xmlns:mc="http://schemas.openxmlformats.org/markup-compatibility/2006">
-          <mc:Choice xmlns:p14="http://schemas.microsoft.com/office/powerpoint/2010/main" Requires="p14">
+        <mc:AlternateContent xmlns:mc="http://schemas.openxmlformats.org/markup-compatibility/2006" xmlns:p14="http://schemas.microsoft.com/office/powerpoint/2010/main">
+          <mc:Choice Requires="p14">
             <p:contentPart p14:bwMode="auto" r:id="rId7">
               <p14:nvContentPartPr>
                 <p14:cNvPr id="8" name="Ink 7">
@@ -11062,7 +11064,7 @@
               </p14:xfrm>
             </p:contentPart>
           </mc:Choice>
-          <mc:Fallback>
+          <mc:Fallback xmlns="">
             <p:pic>
               <p:nvPicPr>
                 <p:cNvPr id="8" name="Ink 7">
@@ -11093,8 +11095,8 @@
             </p:pic>
           </mc:Fallback>
         </mc:AlternateContent>
-        <mc:AlternateContent xmlns:mc="http://schemas.openxmlformats.org/markup-compatibility/2006">
-          <mc:Choice xmlns:p14="http://schemas.microsoft.com/office/powerpoint/2010/main" Requires="p14">
+        <mc:AlternateContent xmlns:mc="http://schemas.openxmlformats.org/markup-compatibility/2006" xmlns:p14="http://schemas.microsoft.com/office/powerpoint/2010/main">
+          <mc:Choice Requires="p14">
             <p:contentPart p14:bwMode="auto" r:id="rId9">
               <p14:nvContentPartPr>
                 <p14:cNvPr id="10" name="Ink 9">
@@ -11113,7 +11115,7 @@
               </p14:xfrm>
             </p:contentPart>
           </mc:Choice>
-          <mc:Fallback>
+          <mc:Fallback xmlns="">
             <p:pic>
               <p:nvPicPr>
                 <p:cNvPr id="10" name="Ink 9">
@@ -11144,8 +11146,8 @@
             </p:pic>
           </mc:Fallback>
         </mc:AlternateContent>
-        <mc:AlternateContent xmlns:mc="http://schemas.openxmlformats.org/markup-compatibility/2006">
-          <mc:Choice xmlns:p14="http://schemas.microsoft.com/office/powerpoint/2010/main" Requires="p14">
+        <mc:AlternateContent xmlns:mc="http://schemas.openxmlformats.org/markup-compatibility/2006" xmlns:p14="http://schemas.microsoft.com/office/powerpoint/2010/main">
+          <mc:Choice Requires="p14">
             <p:contentPart p14:bwMode="auto" r:id="rId11">
               <p14:nvContentPartPr>
                 <p14:cNvPr id="11" name="Ink 10">
@@ -11164,7 +11166,7 @@
               </p14:xfrm>
             </p:contentPart>
           </mc:Choice>
-          <mc:Fallback>
+          <mc:Fallback xmlns="">
             <p:pic>
               <p:nvPicPr>
                 <p:cNvPr id="11" name="Ink 10">
@@ -11195,8 +11197,8 @@
             </p:pic>
           </mc:Fallback>
         </mc:AlternateContent>
-        <mc:AlternateContent xmlns:mc="http://schemas.openxmlformats.org/markup-compatibility/2006">
-          <mc:Choice xmlns:p14="http://schemas.microsoft.com/office/powerpoint/2010/main" Requires="p14">
+        <mc:AlternateContent xmlns:mc="http://schemas.openxmlformats.org/markup-compatibility/2006" xmlns:p14="http://schemas.microsoft.com/office/powerpoint/2010/main">
+          <mc:Choice Requires="p14">
             <p:contentPart p14:bwMode="auto" r:id="rId13">
               <p14:nvContentPartPr>
                 <p14:cNvPr id="12" name="Ink 11">
@@ -11215,7 +11217,7 @@
               </p14:xfrm>
             </p:contentPart>
           </mc:Choice>
-          <mc:Fallback>
+          <mc:Fallback xmlns="">
             <p:pic>
               <p:nvPicPr>
                 <p:cNvPr id="12" name="Ink 11">
@@ -11246,8 +11248,8 @@
             </p:pic>
           </mc:Fallback>
         </mc:AlternateContent>
-        <mc:AlternateContent xmlns:mc="http://schemas.openxmlformats.org/markup-compatibility/2006">
-          <mc:Choice xmlns:p14="http://schemas.microsoft.com/office/powerpoint/2010/main" Requires="p14">
+        <mc:AlternateContent xmlns:mc="http://schemas.openxmlformats.org/markup-compatibility/2006" xmlns:p14="http://schemas.microsoft.com/office/powerpoint/2010/main">
+          <mc:Choice Requires="p14">
             <p:contentPart p14:bwMode="auto" r:id="rId15">
               <p14:nvContentPartPr>
                 <p14:cNvPr id="13" name="Ink 12">
@@ -11266,7 +11268,7 @@
               </p14:xfrm>
             </p:contentPart>
           </mc:Choice>
-          <mc:Fallback>
+          <mc:Fallback xmlns="">
             <p:pic>
               <p:nvPicPr>
                 <p:cNvPr id="13" name="Ink 12">
@@ -11297,8 +11299,8 @@
             </p:pic>
           </mc:Fallback>
         </mc:AlternateContent>
-        <mc:AlternateContent xmlns:mc="http://schemas.openxmlformats.org/markup-compatibility/2006">
-          <mc:Choice xmlns:p14="http://schemas.microsoft.com/office/powerpoint/2010/main" Requires="p14">
+        <mc:AlternateContent xmlns:mc="http://schemas.openxmlformats.org/markup-compatibility/2006" xmlns:p14="http://schemas.microsoft.com/office/powerpoint/2010/main">
+          <mc:Choice Requires="p14">
             <p:contentPart p14:bwMode="auto" r:id="rId17">
               <p14:nvContentPartPr>
                 <p14:cNvPr id="14" name="Ink 13">
@@ -11317,7 +11319,7 @@
               </p14:xfrm>
             </p:contentPart>
           </mc:Choice>
-          <mc:Fallback>
+          <mc:Fallback xmlns="">
             <p:pic>
               <p:nvPicPr>
                 <p:cNvPr id="14" name="Ink 13">
@@ -11348,8 +11350,8 @@
             </p:pic>
           </mc:Fallback>
         </mc:AlternateContent>
-        <mc:AlternateContent xmlns:mc="http://schemas.openxmlformats.org/markup-compatibility/2006">
-          <mc:Choice xmlns:p14="http://schemas.microsoft.com/office/powerpoint/2010/main" Requires="p14">
+        <mc:AlternateContent xmlns:mc="http://schemas.openxmlformats.org/markup-compatibility/2006" xmlns:p14="http://schemas.microsoft.com/office/powerpoint/2010/main">
+          <mc:Choice Requires="p14">
             <p:contentPart p14:bwMode="auto" r:id="rId19">
               <p14:nvContentPartPr>
                 <p14:cNvPr id="15" name="Ink 14">
@@ -11368,7 +11370,7 @@
               </p14:xfrm>
             </p:contentPart>
           </mc:Choice>
-          <mc:Fallback>
+          <mc:Fallback xmlns="">
             <p:pic>
               <p:nvPicPr>
                 <p:cNvPr id="15" name="Ink 14">
@@ -11399,8 +11401,8 @@
             </p:pic>
           </mc:Fallback>
         </mc:AlternateContent>
-        <mc:AlternateContent xmlns:mc="http://schemas.openxmlformats.org/markup-compatibility/2006">
-          <mc:Choice xmlns:p14="http://schemas.microsoft.com/office/powerpoint/2010/main" Requires="p14">
+        <mc:AlternateContent xmlns:mc="http://schemas.openxmlformats.org/markup-compatibility/2006" xmlns:p14="http://schemas.microsoft.com/office/powerpoint/2010/main">
+          <mc:Choice Requires="p14">
             <p:contentPart p14:bwMode="auto" r:id="rId21">
               <p14:nvContentPartPr>
                 <p14:cNvPr id="16" name="Ink 15">
@@ -11419,7 +11421,7 @@
               </p14:xfrm>
             </p:contentPart>
           </mc:Choice>
-          <mc:Fallback>
+          <mc:Fallback xmlns="">
             <p:pic>
               <p:nvPicPr>
                 <p:cNvPr id="16" name="Ink 15">
@@ -11450,8 +11452,8 @@
             </p:pic>
           </mc:Fallback>
         </mc:AlternateContent>
-        <mc:AlternateContent xmlns:mc="http://schemas.openxmlformats.org/markup-compatibility/2006">
-          <mc:Choice xmlns:p14="http://schemas.microsoft.com/office/powerpoint/2010/main" Requires="p14">
+        <mc:AlternateContent xmlns:mc="http://schemas.openxmlformats.org/markup-compatibility/2006" xmlns:p14="http://schemas.microsoft.com/office/powerpoint/2010/main">
+          <mc:Choice Requires="p14">
             <p:contentPart p14:bwMode="auto" r:id="rId23">
               <p14:nvContentPartPr>
                 <p14:cNvPr id="17" name="Ink 16">
@@ -11470,7 +11472,7 @@
               </p14:xfrm>
             </p:contentPart>
           </mc:Choice>
-          <mc:Fallback>
+          <mc:Fallback xmlns="">
             <p:pic>
               <p:nvPicPr>
                 <p:cNvPr id="17" name="Ink 16">
@@ -11501,8 +11503,8 @@
             </p:pic>
           </mc:Fallback>
         </mc:AlternateContent>
-        <mc:AlternateContent xmlns:mc="http://schemas.openxmlformats.org/markup-compatibility/2006">
-          <mc:Choice xmlns:p14="http://schemas.microsoft.com/office/powerpoint/2010/main" Requires="p14">
+        <mc:AlternateContent xmlns:mc="http://schemas.openxmlformats.org/markup-compatibility/2006" xmlns:p14="http://schemas.microsoft.com/office/powerpoint/2010/main">
+          <mc:Choice Requires="p14">
             <p:contentPart p14:bwMode="auto" r:id="rId25">
               <p14:nvContentPartPr>
                 <p14:cNvPr id="18" name="Ink 17">
@@ -11521,7 +11523,7 @@
               </p14:xfrm>
             </p:contentPart>
           </mc:Choice>
-          <mc:Fallback>
+          <mc:Fallback xmlns="">
             <p:pic>
               <p:nvPicPr>
                 <p:cNvPr id="18" name="Ink 17">
@@ -11552,8 +11554,8 @@
             </p:pic>
           </mc:Fallback>
         </mc:AlternateContent>
-        <mc:AlternateContent xmlns:mc="http://schemas.openxmlformats.org/markup-compatibility/2006">
-          <mc:Choice xmlns:p14="http://schemas.microsoft.com/office/powerpoint/2010/main" Requires="p14">
+        <mc:AlternateContent xmlns:mc="http://schemas.openxmlformats.org/markup-compatibility/2006" xmlns:p14="http://schemas.microsoft.com/office/powerpoint/2010/main">
+          <mc:Choice Requires="p14">
             <p:contentPart p14:bwMode="auto" r:id="rId27">
               <p14:nvContentPartPr>
                 <p14:cNvPr id="19" name="Ink 18">
@@ -11572,7 +11574,7 @@
               </p14:xfrm>
             </p:contentPart>
           </mc:Choice>
-          <mc:Fallback>
+          <mc:Fallback xmlns="">
             <p:pic>
               <p:nvPicPr>
                 <p:cNvPr id="19" name="Ink 18">
@@ -11603,8 +11605,8 @@
             </p:pic>
           </mc:Fallback>
         </mc:AlternateContent>
-        <mc:AlternateContent xmlns:mc="http://schemas.openxmlformats.org/markup-compatibility/2006">
-          <mc:Choice xmlns:p14="http://schemas.microsoft.com/office/powerpoint/2010/main" Requires="p14">
+        <mc:AlternateContent xmlns:mc="http://schemas.openxmlformats.org/markup-compatibility/2006" xmlns:p14="http://schemas.microsoft.com/office/powerpoint/2010/main">
+          <mc:Choice Requires="p14">
             <p:contentPart p14:bwMode="auto" r:id="rId29">
               <p14:nvContentPartPr>
                 <p14:cNvPr id="20" name="Ink 19">
@@ -11623,7 +11625,7 @@
               </p14:xfrm>
             </p:contentPart>
           </mc:Choice>
-          <mc:Fallback>
+          <mc:Fallback xmlns="">
             <p:pic>
               <p:nvPicPr>
                 <p:cNvPr id="20" name="Ink 19">
@@ -11654,8 +11656,8 @@
             </p:pic>
           </mc:Fallback>
         </mc:AlternateContent>
-        <mc:AlternateContent xmlns:mc="http://schemas.openxmlformats.org/markup-compatibility/2006">
-          <mc:Choice xmlns:p14="http://schemas.microsoft.com/office/powerpoint/2010/main" Requires="p14">
+        <mc:AlternateContent xmlns:mc="http://schemas.openxmlformats.org/markup-compatibility/2006" xmlns:p14="http://schemas.microsoft.com/office/powerpoint/2010/main">
+          <mc:Choice Requires="p14">
             <p:contentPart p14:bwMode="auto" r:id="rId31">
               <p14:nvContentPartPr>
                 <p14:cNvPr id="23" name="Ink 22">
@@ -11674,7 +11676,7 @@
               </p14:xfrm>
             </p:contentPart>
           </mc:Choice>
-          <mc:Fallback>
+          <mc:Fallback xmlns="">
             <p:pic>
               <p:nvPicPr>
                 <p:cNvPr id="23" name="Ink 22">
@@ -11705,8 +11707,8 @@
             </p:pic>
           </mc:Fallback>
         </mc:AlternateContent>
-        <mc:AlternateContent xmlns:mc="http://schemas.openxmlformats.org/markup-compatibility/2006">
-          <mc:Choice xmlns:p14="http://schemas.microsoft.com/office/powerpoint/2010/main" Requires="p14">
+        <mc:AlternateContent xmlns:mc="http://schemas.openxmlformats.org/markup-compatibility/2006" xmlns:p14="http://schemas.microsoft.com/office/powerpoint/2010/main">
+          <mc:Choice Requires="p14">
             <p:contentPart p14:bwMode="auto" r:id="rId33">
               <p14:nvContentPartPr>
                 <p14:cNvPr id="24" name="Ink 23">
@@ -11725,7 +11727,7 @@
               </p14:xfrm>
             </p:contentPart>
           </mc:Choice>
-          <mc:Fallback>
+          <mc:Fallback xmlns="">
             <p:pic>
               <p:nvPicPr>
                 <p:cNvPr id="24" name="Ink 23">
@@ -11756,8 +11758,8 @@
             </p:pic>
           </mc:Fallback>
         </mc:AlternateContent>
-        <mc:AlternateContent xmlns:mc="http://schemas.openxmlformats.org/markup-compatibility/2006">
-          <mc:Choice xmlns:p14="http://schemas.microsoft.com/office/powerpoint/2010/main" Requires="p14">
+        <mc:AlternateContent xmlns:mc="http://schemas.openxmlformats.org/markup-compatibility/2006" xmlns:p14="http://schemas.microsoft.com/office/powerpoint/2010/main">
+          <mc:Choice Requires="p14">
             <p:contentPart p14:bwMode="auto" r:id="rId35">
               <p14:nvContentPartPr>
                 <p14:cNvPr id="26" name="Ink 25">
@@ -11776,7 +11778,7 @@
               </p14:xfrm>
             </p:contentPart>
           </mc:Choice>
-          <mc:Fallback>
+          <mc:Fallback xmlns="">
             <p:pic>
               <p:nvPicPr>
                 <p:cNvPr id="26" name="Ink 25">
@@ -11807,8 +11809,8 @@
             </p:pic>
           </mc:Fallback>
         </mc:AlternateContent>
-        <mc:AlternateContent xmlns:mc="http://schemas.openxmlformats.org/markup-compatibility/2006">
-          <mc:Choice xmlns:p14="http://schemas.microsoft.com/office/powerpoint/2010/main" Requires="p14">
+        <mc:AlternateContent xmlns:mc="http://schemas.openxmlformats.org/markup-compatibility/2006" xmlns:p14="http://schemas.microsoft.com/office/powerpoint/2010/main">
+          <mc:Choice Requires="p14">
             <p:contentPart p14:bwMode="auto" r:id="rId37">
               <p14:nvContentPartPr>
                 <p14:cNvPr id="28" name="Ink 27">
@@ -11827,7 +11829,7 @@
               </p14:xfrm>
             </p:contentPart>
           </mc:Choice>
-          <mc:Fallback>
+          <mc:Fallback xmlns="">
             <p:pic>
               <p:nvPicPr>
                 <p:cNvPr id="28" name="Ink 27">
@@ -11859,8 +11861,8 @@
           </mc:Fallback>
         </mc:AlternateContent>
       </p:grpSp>
-      <mc:AlternateContent xmlns:mc="http://schemas.openxmlformats.org/markup-compatibility/2006">
-        <mc:Choice xmlns:p14="http://schemas.microsoft.com/office/powerpoint/2010/main" Requires="p14">
+      <mc:AlternateContent xmlns:mc="http://schemas.openxmlformats.org/markup-compatibility/2006" xmlns:p14="http://schemas.microsoft.com/office/powerpoint/2010/main">
+        <mc:Choice Requires="p14">
           <p:contentPart p14:bwMode="auto" r:id="rId39">
             <p14:nvContentPartPr>
               <p14:cNvPr id="30" name="Ink 29">
@@ -11879,7 +11881,7 @@
             </p14:xfrm>
           </p:contentPart>
         </mc:Choice>
-        <mc:Fallback>
+        <mc:Fallback xmlns="">
           <p:pic>
             <p:nvPicPr>
               <p:cNvPr id="30" name="Ink 29">
@@ -11910,8 +11912,8 @@
           </p:pic>
         </mc:Fallback>
       </mc:AlternateContent>
-      <mc:AlternateContent xmlns:mc="http://schemas.openxmlformats.org/markup-compatibility/2006">
-        <mc:Choice xmlns:p14="http://schemas.microsoft.com/office/powerpoint/2010/main" Requires="p14">
+      <mc:AlternateContent xmlns:mc="http://schemas.openxmlformats.org/markup-compatibility/2006" xmlns:p14="http://schemas.microsoft.com/office/powerpoint/2010/main">
+        <mc:Choice Requires="p14">
           <p:contentPart p14:bwMode="auto" r:id="rId41">
             <p14:nvContentPartPr>
               <p14:cNvPr id="31" name="Ink 30">
@@ -11930,7 +11932,7 @@
             </p14:xfrm>
           </p:contentPart>
         </mc:Choice>
-        <mc:Fallback>
+        <mc:Fallback xmlns="">
           <p:pic>
             <p:nvPicPr>
               <p:cNvPr id="31" name="Ink 30">
@@ -11961,8 +11963,8 @@
           </p:pic>
         </mc:Fallback>
       </mc:AlternateContent>
-      <mc:AlternateContent xmlns:mc="http://schemas.openxmlformats.org/markup-compatibility/2006">
-        <mc:Choice xmlns:p14="http://schemas.microsoft.com/office/powerpoint/2010/main" Requires="p14">
+      <mc:AlternateContent xmlns:mc="http://schemas.openxmlformats.org/markup-compatibility/2006" xmlns:p14="http://schemas.microsoft.com/office/powerpoint/2010/main">
+        <mc:Choice Requires="p14">
           <p:contentPart p14:bwMode="auto" r:id="rId43">
             <p14:nvContentPartPr>
               <p14:cNvPr id="32" name="Ink 31">
@@ -11981,7 +11983,7 @@
             </p14:xfrm>
           </p:contentPart>
         </mc:Choice>
-        <mc:Fallback>
+        <mc:Fallback xmlns="">
           <p:pic>
             <p:nvPicPr>
               <p:cNvPr id="32" name="Ink 31">
@@ -12012,8 +12014,8 @@
           </p:pic>
         </mc:Fallback>
       </mc:AlternateContent>
-      <mc:AlternateContent xmlns:mc="http://schemas.openxmlformats.org/markup-compatibility/2006">
-        <mc:Choice xmlns:p14="http://schemas.microsoft.com/office/powerpoint/2010/main" Requires="p14">
+      <mc:AlternateContent xmlns:mc="http://schemas.openxmlformats.org/markup-compatibility/2006" xmlns:p14="http://schemas.microsoft.com/office/powerpoint/2010/main">
+        <mc:Choice Requires="p14">
           <p:contentPart p14:bwMode="auto" r:id="rId44">
             <p14:nvContentPartPr>
               <p14:cNvPr id="33" name="Ink 32">
@@ -12032,7 +12034,7 @@
             </p14:xfrm>
           </p:contentPart>
         </mc:Choice>
-        <mc:Fallback>
+        <mc:Fallback xmlns="">
           <p:pic>
             <p:nvPicPr>
               <p:cNvPr id="33" name="Ink 32">
@@ -14868,8 +14870,8 @@
             <a:chExt cx="1523520" cy="408960"/>
           </a:xfrm>
         </p:grpSpPr>
-        <mc:AlternateContent xmlns:mc="http://schemas.openxmlformats.org/markup-compatibility/2006">
-          <mc:Choice xmlns:p14="http://schemas.microsoft.com/office/powerpoint/2010/main" Requires="p14">
+        <mc:AlternateContent xmlns:mc="http://schemas.openxmlformats.org/markup-compatibility/2006" xmlns:p14="http://schemas.microsoft.com/office/powerpoint/2010/main">
+          <mc:Choice Requires="p14">
             <p:contentPart p14:bwMode="auto" r:id="rId2">
               <p14:nvContentPartPr>
                 <p14:cNvPr id="44" name="Ink 43">
@@ -14888,7 +14890,7 @@
               </p14:xfrm>
             </p:contentPart>
           </mc:Choice>
-          <mc:Fallback>
+          <mc:Fallback xmlns="">
             <p:pic>
               <p:nvPicPr>
                 <p:cNvPr id="44" name="Ink 43">
@@ -14919,8 +14921,8 @@
             </p:pic>
           </mc:Fallback>
         </mc:AlternateContent>
-        <mc:AlternateContent xmlns:mc="http://schemas.openxmlformats.org/markup-compatibility/2006">
-          <mc:Choice xmlns:p14="http://schemas.microsoft.com/office/powerpoint/2010/main" Requires="p14">
+        <mc:AlternateContent xmlns:mc="http://schemas.openxmlformats.org/markup-compatibility/2006" xmlns:p14="http://schemas.microsoft.com/office/powerpoint/2010/main">
+          <mc:Choice Requires="p14">
             <p:contentPart p14:bwMode="auto" r:id="rId4">
               <p14:nvContentPartPr>
                 <p14:cNvPr id="45" name="Ink 44">
@@ -14939,7 +14941,7 @@
               </p14:xfrm>
             </p:contentPart>
           </mc:Choice>
-          <mc:Fallback>
+          <mc:Fallback xmlns="">
             <p:pic>
               <p:nvPicPr>
                 <p:cNvPr id="45" name="Ink 44">
@@ -14991,8 +14993,8 @@
             <a:chExt cx="1876680" cy="205560"/>
           </a:xfrm>
         </p:grpSpPr>
-        <mc:AlternateContent xmlns:mc="http://schemas.openxmlformats.org/markup-compatibility/2006">
-          <mc:Choice xmlns:p14="http://schemas.microsoft.com/office/powerpoint/2010/main" Requires="p14">
+        <mc:AlternateContent xmlns:mc="http://schemas.openxmlformats.org/markup-compatibility/2006" xmlns:p14="http://schemas.microsoft.com/office/powerpoint/2010/main">
+          <mc:Choice Requires="p14">
             <p:contentPart p14:bwMode="auto" r:id="rId6">
               <p14:nvContentPartPr>
                 <p14:cNvPr id="49" name="Ink 48">
@@ -15011,7 +15013,7 @@
               </p14:xfrm>
             </p:contentPart>
           </mc:Choice>
-          <mc:Fallback>
+          <mc:Fallback xmlns="">
             <p:pic>
               <p:nvPicPr>
                 <p:cNvPr id="49" name="Ink 48">
@@ -15042,8 +15044,8 @@
             </p:pic>
           </mc:Fallback>
         </mc:AlternateContent>
-        <mc:AlternateContent xmlns:mc="http://schemas.openxmlformats.org/markup-compatibility/2006">
-          <mc:Choice xmlns:p14="http://schemas.microsoft.com/office/powerpoint/2010/main" Requires="p14">
+        <mc:AlternateContent xmlns:mc="http://schemas.openxmlformats.org/markup-compatibility/2006" xmlns:p14="http://schemas.microsoft.com/office/powerpoint/2010/main">
+          <mc:Choice Requires="p14">
             <p:contentPart p14:bwMode="auto" r:id="rId8">
               <p14:nvContentPartPr>
                 <p14:cNvPr id="50" name="Ink 49">
@@ -15062,7 +15064,7 @@
               </p14:xfrm>
             </p:contentPart>
           </mc:Choice>
-          <mc:Fallback>
+          <mc:Fallback xmlns="">
             <p:pic>
               <p:nvPicPr>
                 <p:cNvPr id="50" name="Ink 49">
@@ -15114,8 +15116,8 @@
             <a:chExt cx="1195200" cy="223200"/>
           </a:xfrm>
         </p:grpSpPr>
-        <mc:AlternateContent xmlns:mc="http://schemas.openxmlformats.org/markup-compatibility/2006">
-          <mc:Choice xmlns:p14="http://schemas.microsoft.com/office/powerpoint/2010/main" Requires="p14">
+        <mc:AlternateContent xmlns:mc="http://schemas.openxmlformats.org/markup-compatibility/2006" xmlns:p14="http://schemas.microsoft.com/office/powerpoint/2010/main">
+          <mc:Choice Requires="p14">
             <p:contentPart p14:bwMode="auto" r:id="rId10">
               <p14:nvContentPartPr>
                 <p14:cNvPr id="52" name="Ink 51">
@@ -15134,7 +15136,7 @@
               </p14:xfrm>
             </p:contentPart>
           </mc:Choice>
-          <mc:Fallback>
+          <mc:Fallback xmlns="">
             <p:pic>
               <p:nvPicPr>
                 <p:cNvPr id="52" name="Ink 51">
@@ -15165,8 +15167,8 @@
             </p:pic>
           </mc:Fallback>
         </mc:AlternateContent>
-        <mc:AlternateContent xmlns:mc="http://schemas.openxmlformats.org/markup-compatibility/2006">
-          <mc:Choice xmlns:p14="http://schemas.microsoft.com/office/powerpoint/2010/main" Requires="p14">
+        <mc:AlternateContent xmlns:mc="http://schemas.openxmlformats.org/markup-compatibility/2006" xmlns:p14="http://schemas.microsoft.com/office/powerpoint/2010/main">
+          <mc:Choice Requires="p14">
             <p:contentPart p14:bwMode="auto" r:id="rId12">
               <p14:nvContentPartPr>
                 <p14:cNvPr id="53" name="Ink 52">
@@ -15185,7 +15187,7 @@
               </p14:xfrm>
             </p:contentPart>
           </mc:Choice>
-          <mc:Fallback>
+          <mc:Fallback xmlns="">
             <p:pic>
               <p:nvPicPr>
                 <p:cNvPr id="53" name="Ink 52">
@@ -15237,8 +15239,8 @@
             <a:chExt cx="582480" cy="141840"/>
           </a:xfrm>
         </p:grpSpPr>
-        <mc:AlternateContent xmlns:mc="http://schemas.openxmlformats.org/markup-compatibility/2006">
-          <mc:Choice xmlns:p14="http://schemas.microsoft.com/office/powerpoint/2010/main" Requires="p14">
+        <mc:AlternateContent xmlns:mc="http://schemas.openxmlformats.org/markup-compatibility/2006" xmlns:p14="http://schemas.microsoft.com/office/powerpoint/2010/main">
+          <mc:Choice Requires="p14">
             <p:contentPart p14:bwMode="auto" r:id="rId14">
               <p14:nvContentPartPr>
                 <p14:cNvPr id="54" name="Ink 53">
@@ -15257,7 +15259,7 @@
               </p14:xfrm>
             </p:contentPart>
           </mc:Choice>
-          <mc:Fallback>
+          <mc:Fallback xmlns="">
             <p:pic>
               <p:nvPicPr>
                 <p:cNvPr id="54" name="Ink 53">
@@ -15288,8 +15290,8 @@
             </p:pic>
           </mc:Fallback>
         </mc:AlternateContent>
-        <mc:AlternateContent xmlns:mc="http://schemas.openxmlformats.org/markup-compatibility/2006">
-          <mc:Choice xmlns:p14="http://schemas.microsoft.com/office/powerpoint/2010/main" Requires="p14">
+        <mc:AlternateContent xmlns:mc="http://schemas.openxmlformats.org/markup-compatibility/2006" xmlns:p14="http://schemas.microsoft.com/office/powerpoint/2010/main">
+          <mc:Choice Requires="p14">
             <p:contentPart p14:bwMode="auto" r:id="rId16">
               <p14:nvContentPartPr>
                 <p14:cNvPr id="55" name="Ink 54">
@@ -15308,7 +15310,7 @@
               </p14:xfrm>
             </p:contentPart>
           </mc:Choice>
-          <mc:Fallback>
+          <mc:Fallback xmlns="">
             <p:pic>
               <p:nvPicPr>
                 <p:cNvPr id="55" name="Ink 54">
@@ -15940,8 +15942,8 @@
           </a:p>
         </p:txBody>
       </p:sp>
-      <mc:AlternateContent xmlns:mc="http://schemas.openxmlformats.org/markup-compatibility/2006">
-        <mc:Choice xmlns:p14="http://schemas.microsoft.com/office/powerpoint/2010/main" Requires="p14">
+      <mc:AlternateContent xmlns:mc="http://schemas.openxmlformats.org/markup-compatibility/2006" xmlns:p14="http://schemas.microsoft.com/office/powerpoint/2010/main">
+        <mc:Choice Requires="p14">
           <p:contentPart p14:bwMode="auto" r:id="rId2">
             <p14:nvContentPartPr>
               <p14:cNvPr id="15" name="Ink 14">
@@ -15960,7 +15962,7 @@
             </p14:xfrm>
           </p:contentPart>
         </mc:Choice>
-        <mc:Fallback>
+        <mc:Fallback xmlns="">
           <p:pic>
             <p:nvPicPr>
               <p:cNvPr id="15" name="Ink 14">
@@ -15991,8 +15993,8 @@
           </p:pic>
         </mc:Fallback>
       </mc:AlternateContent>
-      <mc:AlternateContent xmlns:mc="http://schemas.openxmlformats.org/markup-compatibility/2006">
-        <mc:Choice xmlns:p14="http://schemas.microsoft.com/office/powerpoint/2010/main" Requires="p14">
+      <mc:AlternateContent xmlns:mc="http://schemas.openxmlformats.org/markup-compatibility/2006" xmlns:p14="http://schemas.microsoft.com/office/powerpoint/2010/main">
+        <mc:Choice Requires="p14">
           <p:contentPart p14:bwMode="auto" r:id="rId4">
             <p14:nvContentPartPr>
               <p14:cNvPr id="16" name="Ink 15">
@@ -16011,7 +16013,7 @@
             </p14:xfrm>
           </p:contentPart>
         </mc:Choice>
-        <mc:Fallback>
+        <mc:Fallback xmlns="">
           <p:pic>
             <p:nvPicPr>
               <p:cNvPr id="16" name="Ink 15">
@@ -16042,8 +16044,8 @@
           </p:pic>
         </mc:Fallback>
       </mc:AlternateContent>
-      <mc:AlternateContent xmlns:mc="http://schemas.openxmlformats.org/markup-compatibility/2006">
-        <mc:Choice xmlns:p14="http://schemas.microsoft.com/office/powerpoint/2010/main" Requires="p14">
+      <mc:AlternateContent xmlns:mc="http://schemas.openxmlformats.org/markup-compatibility/2006" xmlns:p14="http://schemas.microsoft.com/office/powerpoint/2010/main">
+        <mc:Choice Requires="p14">
           <p:contentPart p14:bwMode="auto" r:id="rId6">
             <p14:nvContentPartPr>
               <p14:cNvPr id="17" name="Ink 16">
@@ -16062,7 +16064,7 @@
             </p14:xfrm>
           </p:contentPart>
         </mc:Choice>
-        <mc:Fallback>
+        <mc:Fallback xmlns="">
           <p:pic>
             <p:nvPicPr>
               <p:cNvPr id="17" name="Ink 16">
@@ -16113,8 +16115,8 @@
             <a:chExt cx="358560" cy="1589040"/>
           </a:xfrm>
         </p:grpSpPr>
-        <mc:AlternateContent xmlns:mc="http://schemas.openxmlformats.org/markup-compatibility/2006">
-          <mc:Choice xmlns:p14="http://schemas.microsoft.com/office/powerpoint/2010/main" Requires="p14">
+        <mc:AlternateContent xmlns:mc="http://schemas.openxmlformats.org/markup-compatibility/2006" xmlns:p14="http://schemas.microsoft.com/office/powerpoint/2010/main">
+          <mc:Choice Requires="p14">
             <p:contentPart p14:bwMode="auto" r:id="rId8">
               <p14:nvContentPartPr>
                 <p14:cNvPr id="18" name="Ink 17">
@@ -16133,7 +16135,7 @@
               </p14:xfrm>
             </p:contentPart>
           </mc:Choice>
-          <mc:Fallback>
+          <mc:Fallback xmlns="">
             <p:pic>
               <p:nvPicPr>
                 <p:cNvPr id="18" name="Ink 17">
@@ -16164,8 +16166,8 @@
             </p:pic>
           </mc:Fallback>
         </mc:AlternateContent>
-        <mc:AlternateContent xmlns:mc="http://schemas.openxmlformats.org/markup-compatibility/2006">
-          <mc:Choice xmlns:p14="http://schemas.microsoft.com/office/powerpoint/2010/main" Requires="p14">
+        <mc:AlternateContent xmlns:mc="http://schemas.openxmlformats.org/markup-compatibility/2006" xmlns:p14="http://schemas.microsoft.com/office/powerpoint/2010/main">
+          <mc:Choice Requires="p14">
             <p:contentPart p14:bwMode="auto" r:id="rId10">
               <p14:nvContentPartPr>
                 <p14:cNvPr id="19" name="Ink 18">
@@ -16184,7 +16186,7 @@
               </p14:xfrm>
             </p:contentPart>
           </mc:Choice>
-          <mc:Fallback>
+          <mc:Fallback xmlns="">
             <p:pic>
               <p:nvPicPr>
                 <p:cNvPr id="19" name="Ink 18">
@@ -16560,6 +16562,531 @@
     <p:extLst>
       <p:ext uri="{BB962C8B-B14F-4D97-AF65-F5344CB8AC3E}">
         <p14:creationId xmlns:p14="http://schemas.microsoft.com/office/powerpoint/2010/main" val="1396218086"/>
+      </p:ext>
+    </p:extLst>
+  </p:cSld>
+  <p:clrMapOvr>
+    <a:masterClrMapping/>
+  </p:clrMapOvr>
+</p:sld>
+</file>
+
+<file path=ppt/slides/slide18.xml><?xml version="1.0" encoding="utf-8"?>
+<p:sld xmlns:a="http://schemas.openxmlformats.org/drawingml/2006/main" xmlns:r="http://schemas.openxmlformats.org/officeDocument/2006/relationships" xmlns:p="http://schemas.openxmlformats.org/presentationml/2006/main">
+  <p:cSld>
+    <p:spTree>
+      <p:nvGrpSpPr>
+        <p:cNvPr id="1" name=""/>
+        <p:cNvGrpSpPr/>
+        <p:nvPr/>
+      </p:nvGrpSpPr>
+      <p:grpSpPr>
+        <a:xfrm>
+          <a:off x="0" y="0"/>
+          <a:ext cx="0" cy="0"/>
+          <a:chOff x="0" y="0"/>
+          <a:chExt cx="0" cy="0"/>
+        </a:xfrm>
+      </p:grpSpPr>
+      <p:sp>
+        <p:nvSpPr>
+          <p:cNvPr id="4" name="Rectangle 3">
+            <a:extLst>
+              <a:ext uri="{FF2B5EF4-FFF2-40B4-BE49-F238E27FC236}">
+                <a16:creationId xmlns:a16="http://schemas.microsoft.com/office/drawing/2014/main" id="{8FFB6AE4-66E4-014E-A60B-0CD7724D58E8}"/>
+              </a:ext>
+            </a:extLst>
+          </p:cNvPr>
+          <p:cNvSpPr/>
+          <p:nvPr/>
+        </p:nvSpPr>
+        <p:spPr>
+          <a:xfrm>
+            <a:off x="1496290" y="463139"/>
+            <a:ext cx="4833258" cy="1092529"/>
+          </a:xfrm>
+          <a:prstGeom prst="rect">
+            <a:avLst/>
+          </a:prstGeom>
+        </p:spPr>
+        <p:style>
+          <a:lnRef idx="2">
+            <a:schemeClr val="accent1">
+              <a:shade val="50000"/>
+            </a:schemeClr>
+          </a:lnRef>
+          <a:fillRef idx="1">
+            <a:schemeClr val="accent1"/>
+          </a:fillRef>
+          <a:effectRef idx="0">
+            <a:schemeClr val="accent1"/>
+          </a:effectRef>
+          <a:fontRef idx="minor">
+            <a:schemeClr val="lt1"/>
+          </a:fontRef>
+        </p:style>
+        <p:txBody>
+          <a:bodyPr rtlCol="0" anchor="ctr"/>
+          <a:lstStyle/>
+          <a:p>
+            <a:pPr algn="ctr"/>
+            <a:r>
+              <a:rPr lang="en-US" dirty="0"/>
+              <a:t>I</a:t>
+            </a:r>
+            <a:r>
+              <a:rPr lang="en-TR" dirty="0"/>
+              <a:t>ris dataset</a:t>
+            </a:r>
+          </a:p>
+        </p:txBody>
+      </p:sp>
+      <p:sp>
+        <p:nvSpPr>
+          <p:cNvPr id="5" name="Down Arrow 4">
+            <a:extLst>
+              <a:ext uri="{FF2B5EF4-FFF2-40B4-BE49-F238E27FC236}">
+                <a16:creationId xmlns:a16="http://schemas.microsoft.com/office/drawing/2014/main" id="{4B3B1982-A00D-FA43-97B9-B3D20AF4B185}"/>
+              </a:ext>
+            </a:extLst>
+          </p:cNvPr>
+          <p:cNvSpPr/>
+          <p:nvPr/>
+        </p:nvSpPr>
+        <p:spPr>
+          <a:xfrm>
+            <a:off x="3633849" y="1710047"/>
+            <a:ext cx="486889" cy="1306285"/>
+          </a:xfrm>
+          <a:prstGeom prst="downArrow">
+            <a:avLst/>
+          </a:prstGeom>
+        </p:spPr>
+        <p:style>
+          <a:lnRef idx="2">
+            <a:schemeClr val="accent1">
+              <a:shade val="50000"/>
+            </a:schemeClr>
+          </a:lnRef>
+          <a:fillRef idx="1">
+            <a:schemeClr val="accent1"/>
+          </a:fillRef>
+          <a:effectRef idx="0">
+            <a:schemeClr val="accent1"/>
+          </a:effectRef>
+          <a:fontRef idx="minor">
+            <a:schemeClr val="lt1"/>
+          </a:fontRef>
+        </p:style>
+        <p:txBody>
+          <a:bodyPr rtlCol="0" anchor="ctr"/>
+          <a:lstStyle/>
+          <a:p>
+            <a:pPr algn="ctr"/>
+            <a:endParaRPr lang="en-TR"/>
+          </a:p>
+        </p:txBody>
+      </p:sp>
+      <p:sp>
+        <p:nvSpPr>
+          <p:cNvPr id="6" name="Rectangle 5">
+            <a:extLst>
+              <a:ext uri="{FF2B5EF4-FFF2-40B4-BE49-F238E27FC236}">
+                <a16:creationId xmlns:a16="http://schemas.microsoft.com/office/drawing/2014/main" id="{5880F290-39D0-0D43-9409-4B2BADB30115}"/>
+              </a:ext>
+            </a:extLst>
+          </p:cNvPr>
+          <p:cNvSpPr/>
+          <p:nvPr/>
+        </p:nvSpPr>
+        <p:spPr>
+          <a:xfrm>
+            <a:off x="2962893" y="3170711"/>
+            <a:ext cx="1828799" cy="997527"/>
+          </a:xfrm>
+          <a:prstGeom prst="rect">
+            <a:avLst/>
+          </a:prstGeom>
+        </p:spPr>
+        <p:style>
+          <a:lnRef idx="2">
+            <a:schemeClr val="accent1">
+              <a:shade val="50000"/>
+            </a:schemeClr>
+          </a:lnRef>
+          <a:fillRef idx="1">
+            <a:schemeClr val="accent1"/>
+          </a:fillRef>
+          <a:effectRef idx="0">
+            <a:schemeClr val="accent1"/>
+          </a:effectRef>
+          <a:fontRef idx="minor">
+            <a:schemeClr val="lt1"/>
+          </a:fontRef>
+        </p:style>
+        <p:txBody>
+          <a:bodyPr rtlCol="0" anchor="ctr"/>
+          <a:lstStyle/>
+          <a:p>
+            <a:pPr algn="ctr"/>
+            <a:r>
+              <a:rPr lang="en-US" dirty="0"/>
+              <a:t>M</a:t>
+            </a:r>
+            <a:r>
+              <a:rPr lang="en-TR" dirty="0"/>
+              <a:t>odel </a:t>
+            </a:r>
+          </a:p>
+        </p:txBody>
+      </p:sp>
+      <p:sp>
+        <p:nvSpPr>
+          <p:cNvPr id="7" name="TextBox 6">
+            <a:extLst>
+              <a:ext uri="{FF2B5EF4-FFF2-40B4-BE49-F238E27FC236}">
+                <a16:creationId xmlns:a16="http://schemas.microsoft.com/office/drawing/2014/main" id="{802D5D01-2D4F-2F4D-A57E-B04667C3F524}"/>
+              </a:ext>
+            </a:extLst>
+          </p:cNvPr>
+          <p:cNvSpPr txBox="1"/>
+          <p:nvPr/>
+        </p:nvSpPr>
+        <p:spPr>
+          <a:xfrm>
+            <a:off x="3633849" y="4631375"/>
+            <a:ext cx="2832057" cy="369332"/>
+          </a:xfrm>
+          <a:prstGeom prst="rect">
+            <a:avLst/>
+          </a:prstGeom>
+          <a:noFill/>
+        </p:spPr>
+        <p:txBody>
+          <a:bodyPr wrap="none" rtlCol="0">
+            <a:spAutoFit/>
+          </a:bodyPr>
+          <a:lstStyle/>
+          <a:p>
+            <a:r>
+              <a:rPr lang="en-TR" dirty="0"/>
+              <a:t>Bu model ne kadar başarılı ?</a:t>
+            </a:r>
+          </a:p>
+        </p:txBody>
+      </p:sp>
+    </p:spTree>
+    <p:extLst>
+      <p:ext uri="{BB962C8B-B14F-4D97-AF65-F5344CB8AC3E}">
+        <p14:creationId xmlns:p14="http://schemas.microsoft.com/office/powerpoint/2010/main" val="2235325288"/>
+      </p:ext>
+    </p:extLst>
+  </p:cSld>
+  <p:clrMapOvr>
+    <a:masterClrMapping/>
+  </p:clrMapOvr>
+</p:sld>
+</file>
+
+<file path=ppt/slides/slide19.xml><?xml version="1.0" encoding="utf-8"?>
+<p:sld xmlns:a="http://schemas.openxmlformats.org/drawingml/2006/main" xmlns:r="http://schemas.openxmlformats.org/officeDocument/2006/relationships" xmlns:p="http://schemas.openxmlformats.org/presentationml/2006/main">
+  <p:cSld>
+    <p:spTree>
+      <p:nvGrpSpPr>
+        <p:cNvPr id="1" name=""/>
+        <p:cNvGrpSpPr/>
+        <p:nvPr/>
+      </p:nvGrpSpPr>
+      <p:grpSpPr>
+        <a:xfrm>
+          <a:off x="0" y="0"/>
+          <a:ext cx="0" cy="0"/>
+          <a:chOff x="0" y="0"/>
+          <a:chExt cx="0" cy="0"/>
+        </a:xfrm>
+      </p:grpSpPr>
+      <p:sp>
+        <p:nvSpPr>
+          <p:cNvPr id="4" name="Rectangle 3">
+            <a:extLst>
+              <a:ext uri="{FF2B5EF4-FFF2-40B4-BE49-F238E27FC236}">
+                <a16:creationId xmlns:a16="http://schemas.microsoft.com/office/drawing/2014/main" id="{8FFB6AE4-66E4-014E-A60B-0CD7724D58E8}"/>
+              </a:ext>
+            </a:extLst>
+          </p:cNvPr>
+          <p:cNvSpPr/>
+          <p:nvPr/>
+        </p:nvSpPr>
+        <p:spPr>
+          <a:xfrm>
+            <a:off x="1570406" y="516877"/>
+            <a:ext cx="3479471" cy="1092529"/>
+          </a:xfrm>
+          <a:prstGeom prst="rect">
+            <a:avLst/>
+          </a:prstGeom>
+        </p:spPr>
+        <p:style>
+          <a:lnRef idx="2">
+            <a:schemeClr val="accent1">
+              <a:shade val="50000"/>
+            </a:schemeClr>
+          </a:lnRef>
+          <a:fillRef idx="1">
+            <a:schemeClr val="accent1"/>
+          </a:fillRef>
+          <a:effectRef idx="0">
+            <a:schemeClr val="accent1"/>
+          </a:effectRef>
+          <a:fontRef idx="minor">
+            <a:schemeClr val="lt1"/>
+          </a:fontRef>
+        </p:style>
+        <p:txBody>
+          <a:bodyPr rtlCol="0" anchor="ctr"/>
+          <a:lstStyle/>
+          <a:p>
+            <a:pPr algn="ctr"/>
+            <a:r>
+              <a:rPr lang="en-TR" dirty="0"/>
+              <a:t>Train dataset</a:t>
+            </a:r>
+          </a:p>
+        </p:txBody>
+      </p:sp>
+      <p:sp>
+        <p:nvSpPr>
+          <p:cNvPr id="5" name="Down Arrow 4">
+            <a:extLst>
+              <a:ext uri="{FF2B5EF4-FFF2-40B4-BE49-F238E27FC236}">
+                <a16:creationId xmlns:a16="http://schemas.microsoft.com/office/drawing/2014/main" id="{4B3B1982-A00D-FA43-97B9-B3D20AF4B185}"/>
+              </a:ext>
+            </a:extLst>
+          </p:cNvPr>
+          <p:cNvSpPr/>
+          <p:nvPr/>
+        </p:nvSpPr>
+        <p:spPr>
+          <a:xfrm>
+            <a:off x="3633849" y="1710047"/>
+            <a:ext cx="486889" cy="1306285"/>
+          </a:xfrm>
+          <a:prstGeom prst="downArrow">
+            <a:avLst/>
+          </a:prstGeom>
+        </p:spPr>
+        <p:style>
+          <a:lnRef idx="2">
+            <a:schemeClr val="accent1">
+              <a:shade val="50000"/>
+            </a:schemeClr>
+          </a:lnRef>
+          <a:fillRef idx="1">
+            <a:schemeClr val="accent1"/>
+          </a:fillRef>
+          <a:effectRef idx="0">
+            <a:schemeClr val="accent1"/>
+          </a:effectRef>
+          <a:fontRef idx="minor">
+            <a:schemeClr val="lt1"/>
+          </a:fontRef>
+        </p:style>
+        <p:txBody>
+          <a:bodyPr rtlCol="0" anchor="ctr"/>
+          <a:lstStyle/>
+          <a:p>
+            <a:pPr algn="ctr"/>
+            <a:endParaRPr lang="en-TR"/>
+          </a:p>
+        </p:txBody>
+      </p:sp>
+      <p:sp>
+        <p:nvSpPr>
+          <p:cNvPr id="6" name="Rectangle 5">
+            <a:extLst>
+              <a:ext uri="{FF2B5EF4-FFF2-40B4-BE49-F238E27FC236}">
+                <a16:creationId xmlns:a16="http://schemas.microsoft.com/office/drawing/2014/main" id="{5880F290-39D0-0D43-9409-4B2BADB30115}"/>
+              </a:ext>
+            </a:extLst>
+          </p:cNvPr>
+          <p:cNvSpPr/>
+          <p:nvPr/>
+        </p:nvSpPr>
+        <p:spPr>
+          <a:xfrm>
+            <a:off x="2962893" y="3170711"/>
+            <a:ext cx="1828799" cy="997527"/>
+          </a:xfrm>
+          <a:prstGeom prst="rect">
+            <a:avLst/>
+          </a:prstGeom>
+        </p:spPr>
+        <p:style>
+          <a:lnRef idx="2">
+            <a:schemeClr val="accent1">
+              <a:shade val="50000"/>
+            </a:schemeClr>
+          </a:lnRef>
+          <a:fillRef idx="1">
+            <a:schemeClr val="accent1"/>
+          </a:fillRef>
+          <a:effectRef idx="0">
+            <a:schemeClr val="accent1"/>
+          </a:effectRef>
+          <a:fontRef idx="minor">
+            <a:schemeClr val="lt1"/>
+          </a:fontRef>
+        </p:style>
+        <p:txBody>
+          <a:bodyPr rtlCol="0" anchor="ctr"/>
+          <a:lstStyle/>
+          <a:p>
+            <a:pPr algn="ctr"/>
+            <a:r>
+              <a:rPr lang="en-US" dirty="0"/>
+              <a:t>M</a:t>
+            </a:r>
+            <a:r>
+              <a:rPr lang="en-TR" dirty="0"/>
+              <a:t>odel </a:t>
+            </a:r>
+          </a:p>
+        </p:txBody>
+      </p:sp>
+      <p:sp>
+        <p:nvSpPr>
+          <p:cNvPr id="8" name="Rectangle 7">
+            <a:extLst>
+              <a:ext uri="{FF2B5EF4-FFF2-40B4-BE49-F238E27FC236}">
+                <a16:creationId xmlns:a16="http://schemas.microsoft.com/office/drawing/2014/main" id="{19160A11-BE87-104E-9439-00E65392E672}"/>
+              </a:ext>
+            </a:extLst>
+          </p:cNvPr>
+          <p:cNvSpPr/>
+          <p:nvPr/>
+        </p:nvSpPr>
+        <p:spPr>
+          <a:xfrm>
+            <a:off x="10390909" y="403764"/>
+            <a:ext cx="1221179" cy="1092529"/>
+          </a:xfrm>
+          <a:prstGeom prst="rect">
+            <a:avLst/>
+          </a:prstGeom>
+          <a:solidFill>
+            <a:srgbClr val="00B050"/>
+          </a:solidFill>
+        </p:spPr>
+        <p:style>
+          <a:lnRef idx="2">
+            <a:schemeClr val="accent1">
+              <a:shade val="50000"/>
+            </a:schemeClr>
+          </a:lnRef>
+          <a:fillRef idx="1">
+            <a:schemeClr val="accent1"/>
+          </a:fillRef>
+          <a:effectRef idx="0">
+            <a:schemeClr val="accent1"/>
+          </a:effectRef>
+          <a:fontRef idx="minor">
+            <a:schemeClr val="lt1"/>
+          </a:fontRef>
+        </p:style>
+        <p:txBody>
+          <a:bodyPr rtlCol="0" anchor="ctr"/>
+          <a:lstStyle/>
+          <a:p>
+            <a:pPr algn="ctr"/>
+            <a:r>
+              <a:rPr lang="tr-TR" dirty="0"/>
+              <a:t>Test</a:t>
+            </a:r>
+          </a:p>
+          <a:p>
+            <a:pPr algn="ctr"/>
+            <a:r>
+              <a:rPr lang="tr-TR" dirty="0" err="1"/>
+              <a:t>Dataset</a:t>
+            </a:r>
+            <a:endParaRPr lang="en-TR" dirty="0"/>
+          </a:p>
+        </p:txBody>
+      </p:sp>
+      <p:sp>
+        <p:nvSpPr>
+          <p:cNvPr id="2" name="TextBox 1">
+            <a:extLst>
+              <a:ext uri="{FF2B5EF4-FFF2-40B4-BE49-F238E27FC236}">
+                <a16:creationId xmlns:a16="http://schemas.microsoft.com/office/drawing/2014/main" id="{B0485369-F76D-A640-BCEB-247DB1FD0D56}"/>
+              </a:ext>
+            </a:extLst>
+          </p:cNvPr>
+          <p:cNvSpPr txBox="1"/>
+          <p:nvPr/>
+        </p:nvSpPr>
+        <p:spPr>
+          <a:xfrm>
+            <a:off x="3232353" y="46905"/>
+            <a:ext cx="888385" cy="369332"/>
+          </a:xfrm>
+          <a:prstGeom prst="rect">
+            <a:avLst/>
+          </a:prstGeom>
+          <a:noFill/>
+        </p:spPr>
+        <p:txBody>
+          <a:bodyPr wrap="none" rtlCol="0">
+            <a:spAutoFit/>
+          </a:bodyPr>
+          <a:lstStyle/>
+          <a:p>
+            <a:r>
+              <a:rPr lang="en-TR" dirty="0"/>
+              <a:t>70-80%</a:t>
+            </a:r>
+          </a:p>
+        </p:txBody>
+      </p:sp>
+      <p:sp>
+        <p:nvSpPr>
+          <p:cNvPr id="3" name="TextBox 2">
+            <a:extLst>
+              <a:ext uri="{FF2B5EF4-FFF2-40B4-BE49-F238E27FC236}">
+                <a16:creationId xmlns:a16="http://schemas.microsoft.com/office/drawing/2014/main" id="{4716BC46-238D-D744-B859-B06E5BC24F3B}"/>
+              </a:ext>
+            </a:extLst>
+          </p:cNvPr>
+          <p:cNvSpPr txBox="1"/>
+          <p:nvPr/>
+        </p:nvSpPr>
+        <p:spPr>
+          <a:xfrm>
+            <a:off x="10609943" y="87086"/>
+            <a:ext cx="888385" cy="369332"/>
+          </a:xfrm>
+          <a:prstGeom prst="rect">
+            <a:avLst/>
+          </a:prstGeom>
+          <a:noFill/>
+        </p:spPr>
+        <p:txBody>
+          <a:bodyPr wrap="none" rtlCol="0">
+            <a:spAutoFit/>
+          </a:bodyPr>
+          <a:lstStyle/>
+          <a:p>
+            <a:r>
+              <a:rPr lang="en-TR" dirty="0"/>
+              <a:t>20-30%</a:t>
+            </a:r>
+          </a:p>
+        </p:txBody>
+      </p:sp>
+    </p:spTree>
+    <p:extLst>
+      <p:ext uri="{BB962C8B-B14F-4D97-AF65-F5344CB8AC3E}">
+        <p14:creationId xmlns:p14="http://schemas.microsoft.com/office/powerpoint/2010/main" val="980399499"/>
       </p:ext>
     </p:extLst>
   </p:cSld>
@@ -17879,8 +18406,8 @@
         </p:nvSpPr>
         <p:spPr>
           <a:xfrm>
-            <a:off x="1685581" y="1432193"/>
-            <a:ext cx="723275" cy="369332"/>
+            <a:off x="1163064" y="1444362"/>
+            <a:ext cx="898003" cy="369332"/>
           </a:xfrm>
           <a:prstGeom prst="rect">
             <a:avLst/>
@@ -17899,7 +18426,7 @@
             </a:r>
             <a:r>
               <a:rPr lang="en-TR" dirty="0"/>
-              <a:t>(0,1)</a:t>
+              <a:t>(2,0,1)</a:t>
             </a:r>
           </a:p>
         </p:txBody>
@@ -18123,8 +18650,8 @@
         </p:nvSpPr>
         <p:spPr>
           <a:xfrm>
-            <a:off x="1707614" y="1927418"/>
-            <a:ext cx="723275" cy="369332"/>
+            <a:off x="1068348" y="1927418"/>
+            <a:ext cx="898003" cy="369332"/>
           </a:xfrm>
           <a:prstGeom prst="rect">
             <a:avLst/>
@@ -18143,7 +18670,7 @@
             </a:r>
             <a:r>
               <a:rPr lang="en-TR" dirty="0"/>
-              <a:t>(1,0)</a:t>
+              <a:t>(0,1,0)</a:t>
             </a:r>
           </a:p>
         </p:txBody>
@@ -18290,7 +18817,7 @@
         <p:spPr>
           <a:xfrm>
             <a:off x="1707614" y="2422643"/>
-            <a:ext cx="723275" cy="369332"/>
+            <a:ext cx="898003" cy="369332"/>
           </a:xfrm>
           <a:prstGeom prst="rect">
             <a:avLst/>
@@ -18305,11 +18832,11 @@
           <a:p>
             <a:r>
               <a:rPr lang="en-US" dirty="0"/>
-              <a:t>F</a:t>
-            </a:r>
-            <a:r>
-              <a:rPr lang="en-TR" dirty="0"/>
-              <a:t>(1,1)</a:t>
+              <a:t>F(</a:t>
+            </a:r>
+            <a:r>
+              <a:rPr lang="en-TR" dirty="0"/>
+              <a:t>1,1,1)</a:t>
             </a:r>
           </a:p>
         </p:txBody>
